--- a/PowerPoints/13 - Subprograms.pptx
+++ b/PowerPoints/13 - Subprograms.pptx
@@ -38840,19 +38840,7 @@
               <a:rPr lang="en-US" sz="1800" dirty="0">
                 <a:latin typeface="Consolas" panose="020B0609020204030204" pitchFamily="49" charset="0"/>
               </a:rPr>
-              <a:t>, </a:t>
-            </a:r>
-            <a:r>
-              <a:rPr lang="en-US" sz="1800" dirty="0" err="1">
-                <a:latin typeface="Consolas" panose="020B0609020204030204" pitchFamily="49" charset="0"/>
-              </a:rPr>
-              <a:t>initialValue</a:t>
-            </a:r>
-            <a:r>
-              <a:rPr lang="en-US" sz="1800" dirty="0">
-                <a:latin typeface="Consolas" panose="020B0609020204030204" pitchFamily="49" charset="0"/>
-              </a:rPr>
-              <a:t>,</a:t>
+              <a:t>, initializer,</a:t>
             </a:r>
             <a:br>
               <a:rPr lang="en-US" sz="1800" dirty="0">
@@ -38872,11 +38860,14 @@
               <a:t>idTable.scopeLevel</a:t>
             </a:r>
             <a:r>
-              <a:rPr lang="en-US" sz="1800" dirty="0">
+              <a:rPr lang="en-US" sz="1800">
                 <a:latin typeface="Consolas" panose="020B0609020204030204" pitchFamily="49" charset="0"/>
               </a:rPr>
               <a:t>)</a:t>
             </a:r>
+            <a:endParaRPr lang="en-US" sz="1800" dirty="0">
+              <a:latin typeface="Consolas" panose="020B0609020204030204" pitchFamily="49" charset="0"/>
+            </a:endParaRPr>
           </a:p>
           <a:p>
             <a:r>

--- a/PowerPoints/13 - Subprograms.pptx
+++ b/PowerPoints/13 - Subprograms.pptx
@@ -52,8 +52,8 @@
     <p:sldId id="381" r:id="rId40"/>
     <p:sldId id="271" r:id="rId41"/>
     <p:sldId id="311" r:id="rId42"/>
-    <p:sldId id="312" r:id="rId43"/>
-    <p:sldId id="313" r:id="rId44"/>
+    <p:sldId id="388" r:id="rId43"/>
+    <p:sldId id="389" r:id="rId44"/>
     <p:sldId id="321" r:id="rId45"/>
     <p:sldId id="320" r:id="rId46"/>
     <p:sldId id="267" r:id="rId47"/>
@@ -25190,7 +25190,18 @@
           <a:p>
             <a:r>
               <a:rPr lang="en-US" dirty="0"/>
-              <a:t>Note that the code for class </a:t>
+              <a:t>When you have a </a:t>
+            </a:r>
+            <a:r>
+              <a:rPr lang="en-US" dirty="0" err="1">
+                <a:latin typeface="Consolas" pitchFamily="49" charset="0"/>
+                <a:cs typeface="Consolas" pitchFamily="49" charset="0"/>
+              </a:rPr>
+              <a:t>VariableExpr</a:t>
+            </a:r>
+            <a:r>
+              <a:rPr lang="en-US" dirty="0"/>
+              <a:t> expression corresponding to a variable parameter, you need to convert it to a </a:t>
             </a:r>
             <a:r>
               <a:rPr lang="en-US" dirty="0">
@@ -25201,29 +25212,7 @@
             </a:r>
             <a:r>
               <a:rPr lang="en-US" dirty="0"/>
-              <a:t> contains a constructor that takes a single </a:t>
-            </a:r>
-            <a:r>
-              <a:rPr lang="en-US" dirty="0" err="1">
-                <a:latin typeface="Consolas" pitchFamily="49" charset="0"/>
-                <a:cs typeface="Consolas" pitchFamily="49" charset="0"/>
-              </a:rPr>
-              <a:t>VariableExpr</a:t>
-            </a:r>
-            <a:r>
-              <a:rPr lang="en-US" dirty="0"/>
-              <a:t> object and uses it to construct a </a:t>
-            </a:r>
-            <a:r>
-              <a:rPr lang="en-US" dirty="0">
-                <a:latin typeface="Consolas" pitchFamily="49" charset="0"/>
-                <a:cs typeface="Consolas" pitchFamily="49" charset="0"/>
-              </a:rPr>
-              <a:t>Variable</a:t>
-            </a:r>
-            <a:r>
-              <a:rPr lang="en-US" dirty="0"/>
-              <a:t> object.</a:t>
+              <a:t>.</a:t>
             </a:r>
           </a:p>
         </p:txBody>
@@ -25372,7 +25361,18 @@
           <a:p>
             <a:r>
               <a:rPr lang="en-US" dirty="0"/>
-              <a:t>When you have a </a:t>
+              <a:t>Note that the code for class </a:t>
+            </a:r>
+            <a:r>
+              <a:rPr lang="en-US" dirty="0">
+                <a:latin typeface="Consolas" pitchFamily="49" charset="0"/>
+                <a:cs typeface="Consolas" pitchFamily="49" charset="0"/>
+              </a:rPr>
+              <a:t>Variable</a:t>
+            </a:r>
+            <a:r>
+              <a:rPr lang="en-US" dirty="0"/>
+              <a:t> contains a constructor that takes a single </a:t>
             </a:r>
             <a:r>
               <a:rPr lang="en-US" dirty="0" err="1">
@@ -25383,7 +25383,7 @@
             </a:r>
             <a:r>
               <a:rPr lang="en-US" dirty="0"/>
-              <a:t> expression corresponding to a variable parameter, you need to convert it to a </a:t>
+              <a:t> object and uses it to construct a </a:t>
             </a:r>
             <a:r>
               <a:rPr lang="en-US" dirty="0">
@@ -25394,7 +25394,7 @@
             </a:r>
             <a:r>
               <a:rPr lang="en-US" dirty="0"/>
-              <a:t>.</a:t>
+              <a:t> object.</a:t>
             </a:r>
           </a:p>
           <a:p>
@@ -25710,21 +25710,35 @@
               <a:buNone/>
             </a:pPr>
             <a:r>
-              <a:rPr lang="en-US" sz="1800" dirty="0">
+              <a:rPr lang="pt-BR" sz="1800" dirty="0">
                 <a:latin typeface="Consolas" pitchFamily="49" charset="0"/>
                 <a:cs typeface="Consolas" pitchFamily="49" charset="0"/>
               </a:rPr>
-              <a:t>    var expr  : Expression    = </a:t>
-            </a:r>
-            <a:r>
-              <a:rPr lang="en-US" sz="1800" dirty="0" err="1">
+              <a:t>    var </a:t>
+            </a:r>
+            <a:r>
+              <a:rPr lang="pt-BR" sz="1800" dirty="0" err="1">
                 <a:latin typeface="Consolas" pitchFamily="49" charset="0"/>
                 <a:cs typeface="Consolas" pitchFamily="49" charset="0"/>
               </a:rPr>
+              <a:t>expr</a:t>
+            </a:r>
+            <a:r>
+              <a:rPr lang="pt-BR" sz="1800" dirty="0">
+                <a:latin typeface="Consolas" pitchFamily="49" charset="0"/>
+                <a:cs typeface="Consolas" pitchFamily="49" charset="0"/>
+              </a:rPr>
+              <a:t> : Expression = </a:t>
+            </a:r>
+            <a:r>
+              <a:rPr lang="pt-BR" sz="1800" dirty="0" err="1">
+                <a:latin typeface="Consolas" pitchFamily="49" charset="0"/>
+                <a:cs typeface="Consolas" pitchFamily="49" charset="0"/>
+              </a:rPr>
               <a:t>actualParams</a:t>
             </a:r>
             <a:r>
-              <a:rPr lang="en-US" sz="1800" dirty="0">
+              <a:rPr lang="pt-BR" sz="1800" dirty="0">
                 <a:latin typeface="Consolas" pitchFamily="49" charset="0"/>
                 <a:cs typeface="Consolas" pitchFamily="49" charset="0"/>
               </a:rPr>
@@ -25739,54 +25753,72 @@
               <a:buNone/>
             </a:pPr>
             <a:r>
-              <a:rPr lang="en-US" sz="1800" dirty="0">
+              <a:rPr lang="pt-BR" sz="1800" dirty="0">
                 <a:latin typeface="Consolas" pitchFamily="49" charset="0"/>
                 <a:cs typeface="Consolas" pitchFamily="49" charset="0"/>
               </a:rPr>
               <a:t>    </a:t>
             </a:r>
             <a:r>
-              <a:rPr lang="en-US" sz="1800" dirty="0" err="1">
+              <a:rPr lang="pt-BR" sz="1800" dirty="0" err="1">
                 <a:latin typeface="Consolas" pitchFamily="49" charset="0"/>
                 <a:cs typeface="Consolas" pitchFamily="49" charset="0"/>
               </a:rPr>
               <a:t>val</a:t>
             </a:r>
             <a:r>
-              <a:rPr lang="en-US" sz="1800" dirty="0">
+              <a:rPr lang="pt-BR" sz="1800" dirty="0">
                 <a:latin typeface="Consolas" pitchFamily="49" charset="0"/>
                 <a:cs typeface="Consolas" pitchFamily="49" charset="0"/>
               </a:rPr>
-              <a:t> param : </a:t>
-            </a:r>
-            <a:r>
-              <a:rPr lang="en-US" sz="1800" dirty="0" err="1">
+              <a:t> </a:t>
+            </a:r>
+            <a:r>
+              <a:rPr lang="pt-BR" sz="1800" dirty="0" err="1">
                 <a:latin typeface="Consolas" pitchFamily="49" charset="0"/>
                 <a:cs typeface="Consolas" pitchFamily="49" charset="0"/>
               </a:rPr>
-              <a:t>ParameterDecl</a:t>
-            </a:r>
-            <a:r>
-              <a:rPr lang="en-US" sz="1800" dirty="0">
+              <a:t>paramDecl</a:t>
+            </a:r>
+            <a:r>
+              <a:rPr lang="pt-BR" sz="1800" dirty="0">
                 <a:latin typeface="Consolas" pitchFamily="49" charset="0"/>
                 <a:cs typeface="Consolas" pitchFamily="49" charset="0"/>
               </a:rPr>
-              <a:t> = </a:t>
-            </a:r>
-            <a:r>
-              <a:rPr lang="en-US" sz="1800" dirty="0" err="1">
+              <a:t> : </a:t>
+            </a:r>
+            <a:r>
+              <a:rPr lang="pt-BR" sz="1800" dirty="0" err="1">
                 <a:latin typeface="Consolas" pitchFamily="49" charset="0"/>
                 <a:cs typeface="Consolas" pitchFamily="49" charset="0"/>
               </a:rPr>
-              <a:t>formalParams</a:t>
-            </a:r>
-            <a:r>
-              <a:rPr lang="en-US" sz="1800" dirty="0">
+              <a:t>ParameterDecl</a:t>
+            </a:r>
+            <a:r>
+              <a:rPr lang="pt-BR" sz="1800" dirty="0">
                 <a:latin typeface="Consolas" pitchFamily="49" charset="0"/>
                 <a:cs typeface="Consolas" pitchFamily="49" charset="0"/>
               </a:rPr>
+              <a:t> = </a:t>
+            </a:r>
+            <a:r>
+              <a:rPr lang="pt-BR" sz="1800" dirty="0" err="1">
+                <a:latin typeface="Consolas" pitchFamily="49" charset="0"/>
+                <a:cs typeface="Consolas" pitchFamily="49" charset="0"/>
+              </a:rPr>
+              <a:t>paramDecls</a:t>
+            </a:r>
+            <a:r>
+              <a:rPr lang="pt-BR" sz="1800" dirty="0">
+                <a:latin typeface="Consolas" pitchFamily="49" charset="0"/>
+                <a:cs typeface="Consolas" pitchFamily="49" charset="0"/>
+              </a:rPr>
               <a:t>[i]</a:t>
             </a:r>
+            <a:endParaRPr lang="en-US" sz="1800" dirty="0">
+              <a:latin typeface="Consolas" pitchFamily="49" charset="0"/>
+              <a:cs typeface="Consolas" pitchFamily="49" charset="0"/>
+            </a:endParaRPr>
           </a:p>
           <a:p>
             <a:pPr marL="274320" indent="0">
@@ -26035,6 +26067,197 @@
               <a:rPr lang="en-US" sz="1800" dirty="0"/>
               <a:t>(continued on next slide)</a:t>
             </a:r>
+          </a:p>
+        </p:txBody>
+      </p:sp>
+      <p:sp>
+        <p:nvSpPr>
+          <p:cNvPr id="8" name="Rectangle 1">
+            <a:extLst>
+              <a:ext uri="{FF2B5EF4-FFF2-40B4-BE49-F238E27FC236}">
+                <a16:creationId xmlns:a16="http://schemas.microsoft.com/office/drawing/2014/main" id="{104C3174-4184-4225-C663-65AFE4874022}"/>
+              </a:ext>
+            </a:extLst>
+          </p:cNvPr>
+          <p:cNvSpPr>
+            <a:spLocks noChangeArrowheads="1"/>
+          </p:cNvSpPr>
+          <p:nvPr/>
+        </p:nvSpPr>
+        <p:spPr bwMode="auto">
+          <a:xfrm>
+            <a:off x="0" y="0"/>
+            <a:ext cx="9144000" cy="457200"/>
+          </a:xfrm>
+          <a:prstGeom prst="rect">
+            <a:avLst/>
+          </a:prstGeom>
+          <a:solidFill>
+            <a:srgbClr val="1E1F22"/>
+          </a:solidFill>
+          <a:ln>
+            <a:noFill/>
+          </a:ln>
+          <a:effectLst/>
+          <a:extLst>
+            <a:ext uri="{91240B29-F687-4F45-9708-019B960494DF}">
+              <a14:hiddenLine xmlns:a14="http://schemas.microsoft.com/office/drawing/2010/main" w="9525">
+                <a:solidFill>
+                  <a:schemeClr val="tx1"/>
+                </a:solidFill>
+                <a:miter lim="800000"/>
+                <a:headEnd/>
+                <a:tailEnd/>
+              </a14:hiddenLine>
+            </a:ext>
+            <a:ext uri="{AF507438-7753-43E0-B8FC-AC1667EBCBE1}">
+              <a14:hiddenEffects xmlns:a14="http://schemas.microsoft.com/office/drawing/2010/main">
+                <a:effectLst>
+                  <a:outerShdw dist="35921" dir="2700000" algn="ctr" rotWithShape="0">
+                    <a:schemeClr val="bg2"/>
+                  </a:outerShdw>
+                </a:effectLst>
+              </a14:hiddenEffects>
+            </a:ext>
+          </a:extLst>
+        </p:spPr>
+        <p:txBody>
+          <a:bodyPr vert="horz" wrap="none" lIns="91440" tIns="45720" rIns="91440" bIns="45720" numCol="1" anchor="ctr" anchorCtr="0" compatLnSpc="1">
+            <a:prstTxWarp prst="textNoShape">
+              <a:avLst/>
+            </a:prstTxWarp>
+            <a:spAutoFit/>
+          </a:bodyPr>
+          <a:lstStyle/>
+          <a:p>
+            <a:pPr marL="0" marR="0" lvl="0" indent="0" algn="l" defTabSz="914400" rtl="0" eaLnBrk="0" fontAlgn="base" latinLnBrk="0" hangingPunct="0">
+              <a:lnSpc>
+                <a:spcPct val="100000"/>
+              </a:lnSpc>
+              <a:spcBef>
+                <a:spcPct val="0"/>
+              </a:spcBef>
+              <a:spcAft>
+                <a:spcPct val="0"/>
+              </a:spcAft>
+              <a:buClrTx/>
+              <a:buSzTx/>
+              <a:buFontTx/>
+              <a:buNone/>
+              <a:tabLst/>
+            </a:pPr>
+            <a:r>
+              <a:rPr kumimoji="0" lang="en-US" altLang="en-US" sz="900" b="0" i="0" u="none" strike="noStrike" cap="none" normalizeH="0" baseline="0">
+                <a:ln>
+                  <a:noFill/>
+                </a:ln>
+                <a:solidFill>
+                  <a:srgbClr val="CF8E6D"/>
+                </a:solidFill>
+                <a:effectLst/>
+                <a:latin typeface="JetBrains Mono"/>
+              </a:rPr>
+              <a:t>var </a:t>
+            </a:r>
+            <a:r>
+              <a:rPr kumimoji="0" lang="en-US" altLang="en-US" sz="900" b="0" i="0" u="none" strike="noStrike" cap="none" normalizeH="0" baseline="0">
+                <a:ln>
+                  <a:noFill/>
+                </a:ln>
+                <a:solidFill>
+                  <a:srgbClr val="BCBEC4"/>
+                </a:solidFill>
+                <a:effectLst/>
+                <a:latin typeface="JetBrains Mono"/>
+              </a:rPr>
+              <a:t>expr : Expression = </a:t>
+            </a:r>
+            <a:r>
+              <a:rPr kumimoji="0" lang="en-US" altLang="en-US" sz="900" b="0" i="0" u="none" strike="noStrike" cap="none" normalizeH="0" baseline="0">
+                <a:ln>
+                  <a:noFill/>
+                </a:ln>
+                <a:solidFill>
+                  <a:srgbClr val="C77DBB"/>
+                </a:solidFill>
+                <a:effectLst/>
+                <a:latin typeface="JetBrains Mono"/>
+              </a:rPr>
+              <a:t>actualParams</a:t>
+            </a:r>
+            <a:r>
+              <a:rPr kumimoji="0" lang="en-US" altLang="en-US" sz="900" b="0" i="0" u="none" strike="noStrike" cap="none" normalizeH="0" baseline="0">
+                <a:ln>
+                  <a:noFill/>
+                </a:ln>
+                <a:solidFill>
+                  <a:srgbClr val="BCBEC4"/>
+                </a:solidFill>
+                <a:effectLst/>
+                <a:latin typeface="JetBrains Mono"/>
+              </a:rPr>
+              <a:t>[i]</a:t>
+            </a:r>
+            <a:br>
+              <a:rPr kumimoji="0" lang="en-US" altLang="en-US" sz="900" b="0" i="0" u="none" strike="noStrike" cap="none" normalizeH="0" baseline="0">
+                <a:ln>
+                  <a:noFill/>
+                </a:ln>
+                <a:solidFill>
+                  <a:srgbClr val="BCBEC4"/>
+                </a:solidFill>
+                <a:effectLst/>
+                <a:latin typeface="JetBrains Mono"/>
+              </a:rPr>
+            </a:br>
+            <a:r>
+              <a:rPr kumimoji="0" lang="en-US" altLang="en-US" sz="900" b="0" i="0" u="none" strike="noStrike" cap="none" normalizeH="0" baseline="0">
+                <a:ln>
+                  <a:noFill/>
+                </a:ln>
+                <a:solidFill>
+                  <a:srgbClr val="CF8E6D"/>
+                </a:solidFill>
+                <a:effectLst/>
+                <a:latin typeface="JetBrains Mono"/>
+              </a:rPr>
+              <a:t>val </a:t>
+            </a:r>
+            <a:r>
+              <a:rPr kumimoji="0" lang="en-US" altLang="en-US" sz="900" b="0" i="0" u="none" strike="noStrike" cap="none" normalizeH="0" baseline="0">
+                <a:ln>
+                  <a:noFill/>
+                </a:ln>
+                <a:solidFill>
+                  <a:srgbClr val="BCBEC4"/>
+                </a:solidFill>
+                <a:effectLst/>
+                <a:latin typeface="JetBrains Mono"/>
+              </a:rPr>
+              <a:t>paramDecl : ParameterDecl = paramDecls[i]</a:t>
+            </a:r>
+            <a:br>
+              <a:rPr kumimoji="0" lang="en-US" altLang="en-US" sz="900" b="0" i="0" u="none" strike="noStrike" cap="none" normalizeH="0" baseline="0">
+                <a:ln>
+                  <a:noFill/>
+                </a:ln>
+                <a:solidFill>
+                  <a:srgbClr val="BCBEC4"/>
+                </a:solidFill>
+                <a:effectLst/>
+                <a:latin typeface="JetBrains Mono"/>
+              </a:rPr>
+            </a:br>
+            <a:endParaRPr kumimoji="0" lang="en-US" altLang="en-US" sz="1800" b="0" i="0" u="none" strike="noStrike" cap="none" normalizeH="0" baseline="0">
+              <a:ln>
+                <a:noFill/>
+              </a:ln>
+              <a:solidFill>
+                <a:schemeClr val="tx1"/>
+              </a:solidFill>
+              <a:effectLst/>
+              <a:latin typeface="Arial" panose="020B0604020202020204" pitchFamily="34" charset="0"/>
+            </a:endParaRPr>
           </a:p>
         </p:txBody>
       </p:sp>
@@ -26168,7 +26391,7 @@
                 <a:latin typeface="Consolas" pitchFamily="49" charset="0"/>
                 <a:cs typeface="Consolas" pitchFamily="49" charset="0"/>
               </a:rPr>
-              <a:t>param.isVarParam</a:t>
+              <a:t>paramDecl.isVarParam</a:t>
             </a:r>
             <a:r>
               <a:rPr lang="en-US" sz="1800" dirty="0">
@@ -26205,17 +26428,24 @@
                 <a:latin typeface="Consolas" pitchFamily="49" charset="0"/>
                 <a:cs typeface="Consolas" pitchFamily="49" charset="0"/>
               </a:rPr>
-              <a:t>    if (expr is </a:t>
-            </a:r>
-            <a:r>
-              <a:rPr lang="en-US" sz="1800" dirty="0" err="1">
+              <a:t>    </a:t>
+            </a:r>
+            <a:r>
+              <a:rPr lang="en-US" sz="1800" b="1" dirty="0">
                 <a:latin typeface="Consolas" pitchFamily="49" charset="0"/>
                 <a:cs typeface="Consolas" pitchFamily="49" charset="0"/>
               </a:rPr>
+              <a:t>if (expr is </a:t>
+            </a:r>
+            <a:r>
+              <a:rPr lang="en-US" sz="1800" b="1" dirty="0" err="1">
+                <a:latin typeface="Consolas" pitchFamily="49" charset="0"/>
+                <a:cs typeface="Consolas" pitchFamily="49" charset="0"/>
+              </a:rPr>
               <a:t>VariableExpr</a:t>
             </a:r>
             <a:r>
-              <a:rPr lang="en-US" sz="1800" dirty="0">
+              <a:rPr lang="en-US" sz="1800" b="1" dirty="0">
                 <a:latin typeface="Consolas" pitchFamily="49" charset="0"/>
                 <a:cs typeface="Consolas" pitchFamily="49" charset="0"/>
               </a:rPr>
@@ -26230,7 +26460,7 @@
               <a:buNone/>
             </a:pPr>
             <a:r>
-              <a:rPr lang="en-US" sz="1800" dirty="0">
+              <a:rPr lang="en-US" sz="1800" b="1" dirty="0">
                 <a:latin typeface="Consolas" pitchFamily="49" charset="0"/>
                 <a:cs typeface="Consolas" pitchFamily="49" charset="0"/>
               </a:rPr>
@@ -26245,7 +26475,7 @@
               <a:buNone/>
             </a:pPr>
             <a:r>
-              <a:rPr lang="en-US" sz="1800" dirty="0">
+              <a:rPr lang="en-US" sz="1800" b="1" dirty="0">
                 <a:latin typeface="Consolas" pitchFamily="49" charset="0"/>
                 <a:cs typeface="Consolas" pitchFamily="49" charset="0"/>
               </a:rPr>
@@ -26260,7 +26490,7 @@
               <a:buNone/>
             </a:pPr>
             <a:r>
-              <a:rPr lang="en-US" sz="1800" dirty="0">
+              <a:rPr lang="en-US" sz="1800" b="1" dirty="0">
                 <a:latin typeface="Consolas" pitchFamily="49" charset="0"/>
                 <a:cs typeface="Consolas" pitchFamily="49" charset="0"/>
               </a:rPr>
@@ -26275,21 +26505,21 @@
               <a:buNone/>
             </a:pPr>
             <a:r>
-              <a:rPr lang="en-US" sz="1800" dirty="0">
+              <a:rPr lang="en-US" sz="1800" b="1" dirty="0">
                 <a:latin typeface="Consolas" pitchFamily="49" charset="0"/>
                 <a:cs typeface="Consolas" pitchFamily="49" charset="0"/>
               </a:rPr>
               <a:t>        </a:t>
             </a:r>
             <a:r>
-              <a:rPr lang="en-US" sz="1800" dirty="0" err="1">
+              <a:rPr lang="en-US" sz="1800" b="1" dirty="0" err="1">
                 <a:latin typeface="Consolas" pitchFamily="49" charset="0"/>
                 <a:cs typeface="Consolas" pitchFamily="49" charset="0"/>
               </a:rPr>
               <a:t>actualParams</a:t>
             </a:r>
             <a:r>
-              <a:rPr lang="en-US" sz="1800" dirty="0">
+              <a:rPr lang="en-US" sz="1800" b="1" dirty="0">
                 <a:latin typeface="Consolas" pitchFamily="49" charset="0"/>
                 <a:cs typeface="Consolas" pitchFamily="49" charset="0"/>
               </a:rPr>
@@ -26304,7 +26534,7 @@
               <a:buNone/>
             </a:pPr>
             <a:r>
-              <a:rPr lang="en-US" sz="1800" dirty="0">
+              <a:rPr lang="en-US" sz="1800" b="1" dirty="0">
                 <a:latin typeface="Consolas" pitchFamily="49" charset="0"/>
                 <a:cs typeface="Consolas" pitchFamily="49" charset="0"/>
               </a:rPr>
@@ -26381,7 +26611,7 @@
                 <a:latin typeface="Consolas" pitchFamily="49" charset="0"/>
                 <a:cs typeface="Consolas" pitchFamily="49" charset="0"/>
               </a:rPr>
-              <a:t> = "Expression for a var parameter " +</a:t>
+              <a:t> = "Expression for a var parameter "</a:t>
             </a:r>
           </a:p>
           <a:p>
@@ -26396,7 +26626,7 @@
                 <a:latin typeface="Consolas" pitchFamily="49" charset="0"/>
                 <a:cs typeface="Consolas" pitchFamily="49" charset="0"/>
               </a:rPr>
-              <a:t>                       "must be a variable."</a:t>
+              <a:t>                     + "must be a variable.";</a:t>
             </a:r>
           </a:p>
           <a:p>
@@ -26432,7 +26662,7 @@
                 <a:latin typeface="Consolas" pitchFamily="49" charset="0"/>
                 <a:cs typeface="Consolas" pitchFamily="49" charset="0"/>
               </a:rPr>
-              <a:t>errMsg</a:t>
+              <a:t>errorMsg</a:t>
             </a:r>
             <a:r>
               <a:rPr lang="en-US" sz="1800" dirty="0">
@@ -38837,7 +39067,7 @@
               <a:t>varType</a:t>
             </a:r>
             <a:r>
-              <a:rPr lang="en-US" sz="1800" dirty="0">
+              <a:rPr lang="en-US" sz="1800">
                 <a:latin typeface="Consolas" panose="020B0609020204030204" pitchFamily="49" charset="0"/>
               </a:rPr>
               <a:t>, initializer,</a:t>
@@ -38860,14 +39090,11 @@
               <a:t>idTable.scopeLevel</a:t>
             </a:r>
             <a:r>
-              <a:rPr lang="en-US" sz="1800">
+              <a:rPr lang="en-US" sz="1800" dirty="0">
                 <a:latin typeface="Consolas" panose="020B0609020204030204" pitchFamily="49" charset="0"/>
               </a:rPr>
               <a:t>)</a:t>
             </a:r>
-            <a:endParaRPr lang="en-US" sz="1800" dirty="0">
-              <a:latin typeface="Consolas" panose="020B0609020204030204" pitchFamily="49" charset="0"/>
-            </a:endParaRPr>
           </a:p>
           <a:p>
             <a:r>

--- a/PowerPoints/13 - Subprograms.pptx
+++ b/PowerPoints/13 - Subprograms.pptx
@@ -28360,7 +28360,15 @@
           <a:p>
             <a:r>
               <a:rPr lang="en-US" dirty="0"/>
-              <a:t>Similar to what we did global variables, we need to compute the relative address (offset) for each variable plus the total number of bytes of all variables for each subprogram.</a:t>
+              <a:t>Similar to what we </a:t>
+            </a:r>
+            <a:r>
+              <a:rPr lang="en-US"/>
+              <a:t>did for </a:t>
+            </a:r>
+            <a:r>
+              <a:rPr lang="en-US" dirty="0"/>
+              <a:t>global variables, we need to compute the relative address (offset) for each variable plus the total number of bytes of all variables for each subprogram.</a:t>
             </a:r>
           </a:p>
           <a:p>

--- a/PowerPoints/13 - Subprograms.pptx
+++ b/PowerPoints/13 - Subprograms.pptx
@@ -26070,197 +26070,6 @@
           </a:p>
         </p:txBody>
       </p:sp>
-      <p:sp>
-        <p:nvSpPr>
-          <p:cNvPr id="8" name="Rectangle 1">
-            <a:extLst>
-              <a:ext uri="{FF2B5EF4-FFF2-40B4-BE49-F238E27FC236}">
-                <a16:creationId xmlns:a16="http://schemas.microsoft.com/office/drawing/2014/main" id="{104C3174-4184-4225-C663-65AFE4874022}"/>
-              </a:ext>
-            </a:extLst>
-          </p:cNvPr>
-          <p:cNvSpPr>
-            <a:spLocks noChangeArrowheads="1"/>
-          </p:cNvSpPr>
-          <p:nvPr/>
-        </p:nvSpPr>
-        <p:spPr bwMode="auto">
-          <a:xfrm>
-            <a:off x="0" y="0"/>
-            <a:ext cx="9144000" cy="457200"/>
-          </a:xfrm>
-          <a:prstGeom prst="rect">
-            <a:avLst/>
-          </a:prstGeom>
-          <a:solidFill>
-            <a:srgbClr val="1E1F22"/>
-          </a:solidFill>
-          <a:ln>
-            <a:noFill/>
-          </a:ln>
-          <a:effectLst/>
-          <a:extLst>
-            <a:ext uri="{91240B29-F687-4F45-9708-019B960494DF}">
-              <a14:hiddenLine xmlns:a14="http://schemas.microsoft.com/office/drawing/2010/main" w="9525">
-                <a:solidFill>
-                  <a:schemeClr val="tx1"/>
-                </a:solidFill>
-                <a:miter lim="800000"/>
-                <a:headEnd/>
-                <a:tailEnd/>
-              </a14:hiddenLine>
-            </a:ext>
-            <a:ext uri="{AF507438-7753-43E0-B8FC-AC1667EBCBE1}">
-              <a14:hiddenEffects xmlns:a14="http://schemas.microsoft.com/office/drawing/2010/main">
-                <a:effectLst>
-                  <a:outerShdw dist="35921" dir="2700000" algn="ctr" rotWithShape="0">
-                    <a:schemeClr val="bg2"/>
-                  </a:outerShdw>
-                </a:effectLst>
-              </a14:hiddenEffects>
-            </a:ext>
-          </a:extLst>
-        </p:spPr>
-        <p:txBody>
-          <a:bodyPr vert="horz" wrap="none" lIns="91440" tIns="45720" rIns="91440" bIns="45720" numCol="1" anchor="ctr" anchorCtr="0" compatLnSpc="1">
-            <a:prstTxWarp prst="textNoShape">
-              <a:avLst/>
-            </a:prstTxWarp>
-            <a:spAutoFit/>
-          </a:bodyPr>
-          <a:lstStyle/>
-          <a:p>
-            <a:pPr marL="0" marR="0" lvl="0" indent="0" algn="l" defTabSz="914400" rtl="0" eaLnBrk="0" fontAlgn="base" latinLnBrk="0" hangingPunct="0">
-              <a:lnSpc>
-                <a:spcPct val="100000"/>
-              </a:lnSpc>
-              <a:spcBef>
-                <a:spcPct val="0"/>
-              </a:spcBef>
-              <a:spcAft>
-                <a:spcPct val="0"/>
-              </a:spcAft>
-              <a:buClrTx/>
-              <a:buSzTx/>
-              <a:buFontTx/>
-              <a:buNone/>
-              <a:tabLst/>
-            </a:pPr>
-            <a:r>
-              <a:rPr kumimoji="0" lang="en-US" altLang="en-US" sz="900" b="0" i="0" u="none" strike="noStrike" cap="none" normalizeH="0" baseline="0">
-                <a:ln>
-                  <a:noFill/>
-                </a:ln>
-                <a:solidFill>
-                  <a:srgbClr val="CF8E6D"/>
-                </a:solidFill>
-                <a:effectLst/>
-                <a:latin typeface="JetBrains Mono"/>
-              </a:rPr>
-              <a:t>var </a:t>
-            </a:r>
-            <a:r>
-              <a:rPr kumimoji="0" lang="en-US" altLang="en-US" sz="900" b="0" i="0" u="none" strike="noStrike" cap="none" normalizeH="0" baseline="0">
-                <a:ln>
-                  <a:noFill/>
-                </a:ln>
-                <a:solidFill>
-                  <a:srgbClr val="BCBEC4"/>
-                </a:solidFill>
-                <a:effectLst/>
-                <a:latin typeface="JetBrains Mono"/>
-              </a:rPr>
-              <a:t>expr : Expression = </a:t>
-            </a:r>
-            <a:r>
-              <a:rPr kumimoji="0" lang="en-US" altLang="en-US" sz="900" b="0" i="0" u="none" strike="noStrike" cap="none" normalizeH="0" baseline="0">
-                <a:ln>
-                  <a:noFill/>
-                </a:ln>
-                <a:solidFill>
-                  <a:srgbClr val="C77DBB"/>
-                </a:solidFill>
-                <a:effectLst/>
-                <a:latin typeface="JetBrains Mono"/>
-              </a:rPr>
-              <a:t>actualParams</a:t>
-            </a:r>
-            <a:r>
-              <a:rPr kumimoji="0" lang="en-US" altLang="en-US" sz="900" b="0" i="0" u="none" strike="noStrike" cap="none" normalizeH="0" baseline="0">
-                <a:ln>
-                  <a:noFill/>
-                </a:ln>
-                <a:solidFill>
-                  <a:srgbClr val="BCBEC4"/>
-                </a:solidFill>
-                <a:effectLst/>
-                <a:latin typeface="JetBrains Mono"/>
-              </a:rPr>
-              <a:t>[i]</a:t>
-            </a:r>
-            <a:br>
-              <a:rPr kumimoji="0" lang="en-US" altLang="en-US" sz="900" b="0" i="0" u="none" strike="noStrike" cap="none" normalizeH="0" baseline="0">
-                <a:ln>
-                  <a:noFill/>
-                </a:ln>
-                <a:solidFill>
-                  <a:srgbClr val="BCBEC4"/>
-                </a:solidFill>
-                <a:effectLst/>
-                <a:latin typeface="JetBrains Mono"/>
-              </a:rPr>
-            </a:br>
-            <a:r>
-              <a:rPr kumimoji="0" lang="en-US" altLang="en-US" sz="900" b="0" i="0" u="none" strike="noStrike" cap="none" normalizeH="0" baseline="0">
-                <a:ln>
-                  <a:noFill/>
-                </a:ln>
-                <a:solidFill>
-                  <a:srgbClr val="CF8E6D"/>
-                </a:solidFill>
-                <a:effectLst/>
-                <a:latin typeface="JetBrains Mono"/>
-              </a:rPr>
-              <a:t>val </a:t>
-            </a:r>
-            <a:r>
-              <a:rPr kumimoji="0" lang="en-US" altLang="en-US" sz="900" b="0" i="0" u="none" strike="noStrike" cap="none" normalizeH="0" baseline="0">
-                <a:ln>
-                  <a:noFill/>
-                </a:ln>
-                <a:solidFill>
-                  <a:srgbClr val="BCBEC4"/>
-                </a:solidFill>
-                <a:effectLst/>
-                <a:latin typeface="JetBrains Mono"/>
-              </a:rPr>
-              <a:t>paramDecl : ParameterDecl = paramDecls[i]</a:t>
-            </a:r>
-            <a:br>
-              <a:rPr kumimoji="0" lang="en-US" altLang="en-US" sz="900" b="0" i="0" u="none" strike="noStrike" cap="none" normalizeH="0" baseline="0">
-                <a:ln>
-                  <a:noFill/>
-                </a:ln>
-                <a:solidFill>
-                  <a:srgbClr val="BCBEC4"/>
-                </a:solidFill>
-                <a:effectLst/>
-                <a:latin typeface="JetBrains Mono"/>
-              </a:rPr>
-            </a:br>
-            <a:endParaRPr kumimoji="0" lang="en-US" altLang="en-US" sz="1800" b="0" i="0" u="none" strike="noStrike" cap="none" normalizeH="0" baseline="0">
-              <a:ln>
-                <a:noFill/>
-              </a:ln>
-              <a:solidFill>
-                <a:schemeClr val="tx1"/>
-              </a:solidFill>
-              <a:effectLst/>
-              <a:latin typeface="Arial" panose="020B0604020202020204" pitchFamily="34" charset="0"/>
-            </a:endParaRPr>
-          </a:p>
-        </p:txBody>
-      </p:sp>
     </p:spTree>
     <p:extLst>
       <p:ext uri="{BB962C8B-B14F-4D97-AF65-F5344CB8AC3E}">
@@ -28360,15 +28169,7 @@
           <a:p>
             <a:r>
               <a:rPr lang="en-US" dirty="0"/>
-              <a:t>Similar to what we </a:t>
-            </a:r>
-            <a:r>
-              <a:rPr lang="en-US"/>
-              <a:t>did for </a:t>
-            </a:r>
-            <a:r>
-              <a:rPr lang="en-US" dirty="0"/>
-              <a:t>global variables, we need to compute the relative address (offset) for each variable plus the total number of bytes of all variables for each subprogram.</a:t>
+              <a:t>Similar to what we did for global variables, we need to compute the relative address (offset) for each variable plus the total number of bytes of all variables for each subprogram.</a:t>
             </a:r>
           </a:p>
           <a:p>
@@ -34562,10 +34363,16 @@
           <a:lstStyle/>
           <a:p>
             <a:r>
+              <a:rPr lang="en-US" sz="2250">
+                <a:latin typeface="Consolas" panose="020B0609020204030204" pitchFamily="49" charset="0"/>
+              </a:rPr>
+              <a:t>LDLADDR </a:t>
+            </a:r>
+            <a:r>
               <a:rPr lang="en-US" sz="2250" dirty="0">
                 <a:latin typeface="Consolas" panose="020B0609020204030204" pitchFamily="49" charset="0"/>
               </a:rPr>
-              <a:t>LDDADDR -12</a:t>
+              <a:t>-12</a:t>
             </a:r>
             <a:br>
               <a:rPr lang="en-US" sz="2250" dirty="0">
